--- a/course_summary/UI기획서v1.1_김홍민.pptx
+++ b/course_summary/UI기획서v1.1_김홍민.pptx
@@ -3714,7 +3714,6 @@
               <a:rPr lang="ko-KR" altLang="en-US" sz="1100" dirty="0"/>
               <a:t>소</a:t>
             </a:r>
-            <a:endParaRPr lang="ko-KR" altLang="en-US" sz="1100" dirty="0"/>
           </a:p>
         </p:txBody>
       </p:sp>
@@ -4328,7 +4327,6 @@
               <a:rPr lang="ko-KR" altLang="en-US" sz="1100" dirty="0"/>
               <a:t>소</a:t>
             </a:r>
-            <a:endParaRPr lang="ko-KR" altLang="en-US" sz="1100" dirty="0"/>
           </a:p>
         </p:txBody>
       </p:sp>
@@ -5851,7 +5849,6 @@
               <a:rPr lang="ko-KR" altLang="en-US" b="1" dirty="0"/>
               <a:t>정</a:t>
             </a:r>
-            <a:endParaRPr lang="ko-KR" altLang="en-US" b="1" dirty="0"/>
           </a:p>
         </p:txBody>
       </p:sp>
@@ -5971,7 +5968,6 @@
               <a:rPr lang="ko-KR" altLang="en-US" sz="1100" dirty="0"/>
               <a:t>소</a:t>
             </a:r>
-            <a:endParaRPr lang="ko-KR" altLang="en-US" sz="1100" dirty="0"/>
           </a:p>
         </p:txBody>
       </p:sp>
@@ -6028,7 +6024,6 @@
               <a:rPr lang="ko-KR" altLang="en-US" sz="1100" dirty="0"/>
               <a:t>소</a:t>
             </a:r>
-            <a:endParaRPr lang="ko-KR" altLang="en-US" sz="1100" dirty="0"/>
           </a:p>
         </p:txBody>
       </p:sp>
@@ -8487,7 +8482,6 @@
               <a:rPr lang="ko-KR" altLang="en-US" sz="1100" dirty="0"/>
               <a:t>소</a:t>
             </a:r>
-            <a:endParaRPr lang="ko-KR" altLang="en-US" sz="1100" dirty="0"/>
           </a:p>
         </p:txBody>
       </p:sp>
